--- a/C# DI.pptx
+++ b/C# DI.pptx
@@ -1054,7 +1054,7 @@
                 <a:ea typeface="+mn-ea"/>
                 <a:cs typeface="+mn-cs"/>
               </a:rPr>
-              <a:t>When a system is designed to use DI, with many classes requesting their dependencies via their constructor (or properties), it's helpful to have a class dedicated to creating these classes with their associated dependencies.</a:t>
+              <a:t>When a system is designed to use DI, with many classes requesting their dependencies via their constructor, it's helpful to have a class dedicated to creating these classes with their associated dependencies.</a:t>
             </a:r>
           </a:p>
           <a:p>
@@ -6861,11 +6861,18 @@
           </a:lstStyle>
           <a:p>
             <a:r>
+              <a:rPr lang="en-US" sz="2600">
+                <a:latin typeface="Lucida Sans"/>
+                <a:cs typeface="Lucida Sans"/>
+              </a:rPr>
+              <a:t>Dependency </a:t>
+            </a:r>
+            <a:r>
               <a:rPr lang="en-US" sz="2600" dirty="0">
                 <a:latin typeface="Lucida Sans"/>
                 <a:cs typeface="Lucida Sans"/>
               </a:rPr>
-              <a:t>C# Dependency Injection</a:t>
+              <a:t>Injection</a:t>
             </a:r>
           </a:p>
         </p:txBody>
@@ -9201,7 +9208,7 @@
           <a:graphicData uri="http://schemas.openxmlformats.org/presentationml/2006/ole">
             <mc:AlternateContent xmlns:mc="http://schemas.openxmlformats.org/markup-compatibility/2006">
               <mc:Choice xmlns:v="urn:schemas-microsoft-com:vml" Requires="v">
-                <p:oleObj spid="_x0000_s3199" name="Document" r:id="rId3" imgW="3860640" imgH="1805040" progId="Word.OpenDocumentText.12">
+                <p:oleObj spid="_x0000_s3203" name="Document" r:id="rId3" imgW="3860640" imgH="1805040" progId="Word.OpenDocumentText.12">
                   <p:embed/>
                 </p:oleObj>
               </mc:Choice>
@@ -9258,7 +9265,7 @@
           <a:graphicData uri="http://schemas.openxmlformats.org/presentationml/2006/ole">
             <mc:AlternateContent xmlns:mc="http://schemas.openxmlformats.org/markup-compatibility/2006">
               <mc:Choice xmlns:v="urn:schemas-microsoft-com:vml" Requires="v">
-                <p:oleObj spid="_x0000_s3200" name="Document" r:id="rId5" imgW="4312800" imgH="2797200" progId="Word.OpenDocumentText.12">
+                <p:oleObj spid="_x0000_s3204" name="Document" r:id="rId5" imgW="4312800" imgH="2797200" progId="Word.OpenDocumentText.12">
                   <p:embed/>
                 </p:oleObj>
               </mc:Choice>
@@ -9386,7 +9393,7 @@
           <a:graphicData uri="http://schemas.openxmlformats.org/presentationml/2006/ole">
             <mc:AlternateContent xmlns:mc="http://schemas.openxmlformats.org/markup-compatibility/2006">
               <mc:Choice xmlns:v="urn:schemas-microsoft-com:vml" Requires="v">
-                <p:oleObj spid="_x0000_s5198" name="Document" r:id="rId4" imgW="4052520" imgH="1749240" progId="Word.OpenDocumentText.12">
+                <p:oleObj spid="_x0000_s5202" name="Document" r:id="rId4" imgW="4052520" imgH="1749240" progId="Word.OpenDocumentText.12">
                   <p:embed/>
                 </p:oleObj>
               </mc:Choice>
@@ -9443,7 +9450,7 @@
           <a:graphicData uri="http://schemas.openxmlformats.org/presentationml/2006/ole">
             <mc:AlternateContent xmlns:mc="http://schemas.openxmlformats.org/markup-compatibility/2006">
               <mc:Choice xmlns:v="urn:schemas-microsoft-com:vml" Requires="v">
-                <p:oleObj spid="_x0000_s5199" name="Document" r:id="rId6" imgW="4052520" imgH="1749600" progId="Word.OpenDocumentText.12">
+                <p:oleObj spid="_x0000_s5203" name="Document" r:id="rId6" imgW="4052520" imgH="1749600" progId="Word.OpenDocumentText.12">
                   <p:embed/>
                 </p:oleObj>
               </mc:Choice>
